--- a/Week1/Challenge/MCR2_Puzzlebot_Modelling_challenge.pptx
+++ b/Week1/Challenge/MCR2_Puzzlebot_Modelling_challenge.pptx
@@ -351,7 +351,7 @@
           <a:p>
             <a:fld id="{28E8D346-A915-4882-A510-80C55F2B0290}" type="datetimeFigureOut">
               <a:rPr lang="en-GB" smtClean="0"/>
-              <a:t>24/02/2025</a:t>
+              <a:t>28/03/2025</a:t>
             </a:fld>
             <a:endParaRPr lang="en-GB"/>
           </a:p>
@@ -3364,7 +3364,7 @@
           <a:p>
             <a:fld id="{28E8D346-A915-4882-A510-80C55F2B0290}" type="datetimeFigureOut">
               <a:rPr lang="en-GB" smtClean="0"/>
-              <a:t>24/02/2025</a:t>
+              <a:t>28/03/2025</a:t>
             </a:fld>
             <a:endParaRPr lang="en-GB"/>
           </a:p>
@@ -3845,7 +3845,7 @@
           <a:p>
             <a:fld id="{28E8D346-A915-4882-A510-80C55F2B0290}" type="datetimeFigureOut">
               <a:rPr lang="en-GB" smtClean="0"/>
-              <a:t>24/02/2025</a:t>
+              <a:t>28/03/2025</a:t>
             </a:fld>
             <a:endParaRPr lang="en-GB"/>
           </a:p>
@@ -4168,7 +4168,7 @@
           <a:p>
             <a:fld id="{28E8D346-A915-4882-A510-80C55F2B0290}" type="datetimeFigureOut">
               <a:rPr lang="en-GB" smtClean="0"/>
-              <a:t>24/02/2025</a:t>
+              <a:t>28/03/2025</a:t>
             </a:fld>
             <a:endParaRPr lang="en-GB"/>
           </a:p>
@@ -4661,7 +4661,7 @@
           <a:p>
             <a:fld id="{28E8D346-A915-4882-A510-80C55F2B0290}" type="datetimeFigureOut">
               <a:rPr lang="en-GB" smtClean="0"/>
-              <a:t>24/02/2025</a:t>
+              <a:t>28/03/2025</a:t>
             </a:fld>
             <a:endParaRPr lang="en-GB"/>
           </a:p>
@@ -5183,7 +5183,7 @@
           <a:p>
             <a:fld id="{28E8D346-A915-4882-A510-80C55F2B0290}" type="datetimeFigureOut">
               <a:rPr lang="en-GB" smtClean="0"/>
-              <a:t>24/02/2025</a:t>
+              <a:t>28/03/2025</a:t>
             </a:fld>
             <a:endParaRPr lang="en-GB"/>
           </a:p>
@@ -5678,7 +5678,7 @@
           <a:p>
             <a:fld id="{28E8D346-A915-4882-A510-80C55F2B0290}" type="datetimeFigureOut">
               <a:rPr lang="en-GB" smtClean="0"/>
-              <a:t>24/02/2025</a:t>
+              <a:t>28/03/2025</a:t>
             </a:fld>
             <a:endParaRPr lang="en-GB"/>
           </a:p>
@@ -6285,7 +6285,7 @@
           <a:p>
             <a:fld id="{28E8D346-A915-4882-A510-80C55F2B0290}" type="datetimeFigureOut">
               <a:rPr lang="en-GB" smtClean="0"/>
-              <a:t>24/02/2025</a:t>
+              <a:t>28/03/2025</a:t>
             </a:fld>
             <a:endParaRPr lang="en-GB"/>
           </a:p>
@@ -6780,7 +6780,7 @@
           <a:p>
             <a:fld id="{28E8D346-A915-4882-A510-80C55F2B0290}" type="datetimeFigureOut">
               <a:rPr lang="en-GB" smtClean="0"/>
-              <a:t>24/02/2025</a:t>
+              <a:t>28/03/2025</a:t>
             </a:fld>
             <a:endParaRPr lang="en-GB"/>
           </a:p>
@@ -7543,7 +7543,7 @@
           <a:p>
             <a:fld id="{28E8D346-A915-4882-A510-80C55F2B0290}" type="datetimeFigureOut">
               <a:rPr lang="en-GB" smtClean="0"/>
-              <a:t>24/02/2025</a:t>
+              <a:t>28/03/2025</a:t>
             </a:fld>
             <a:endParaRPr lang="en-GB"/>
           </a:p>
@@ -8194,7 +8194,7 @@
           <a:p>
             <a:fld id="{28E8D346-A915-4882-A510-80C55F2B0290}" type="datetimeFigureOut">
               <a:rPr lang="en-GB" smtClean="0"/>
-              <a:t>24/02/2025</a:t>
+              <a:t>28/03/2025</a:t>
             </a:fld>
             <a:endParaRPr lang="en-GB"/>
           </a:p>
@@ -8573,7 +8573,7 @@
           <a:p>
             <a:fld id="{28E8D346-A915-4882-A510-80C55F2B0290}" type="datetimeFigureOut">
               <a:rPr lang="en-GB" smtClean="0"/>
-              <a:t>24/02/2025</a:t>
+              <a:t>28/03/2025</a:t>
             </a:fld>
             <a:endParaRPr lang="en-GB"/>
           </a:p>
@@ -8840,7 +8840,7 @@
           <a:p>
             <a:fld id="{28E8D346-A915-4882-A510-80C55F2B0290}" type="datetimeFigureOut">
               <a:rPr lang="en-GB" smtClean="0"/>
-              <a:t>24/02/2025</a:t>
+              <a:t>28/03/2025</a:t>
             </a:fld>
             <a:endParaRPr lang="en-GB"/>
           </a:p>
@@ -9413,7 +9413,7 @@
           <a:p>
             <a:fld id="{28E8D346-A915-4882-A510-80C55F2B0290}" type="datetimeFigureOut">
               <a:rPr lang="en-GB" smtClean="0"/>
-              <a:t>24/02/2025</a:t>
+              <a:t>28/03/2025</a:t>
             </a:fld>
             <a:endParaRPr lang="en-GB"/>
           </a:p>
@@ -9657,7 +9657,7 @@
           <a:p>
             <a:fld id="{28E8D346-A915-4882-A510-80C55F2B0290}" type="datetimeFigureOut">
               <a:rPr lang="en-GB" smtClean="0"/>
-              <a:t>24/02/2025</a:t>
+              <a:t>28/03/2025</a:t>
             </a:fld>
             <a:endParaRPr lang="en-GB"/>
           </a:p>
@@ -9843,7 +9843,7 @@
           <a:p>
             <a:fld id="{28E8D346-A915-4882-A510-80C55F2B0290}" type="datetimeFigureOut">
               <a:rPr lang="en-GB" smtClean="0"/>
-              <a:t>24/02/2025</a:t>
+              <a:t>28/03/2025</a:t>
             </a:fld>
             <a:endParaRPr lang="en-GB"/>
           </a:p>
@@ -10141,7 +10141,7 @@
           <a:p>
             <a:fld id="{28E8D346-A915-4882-A510-80C55F2B0290}" type="datetimeFigureOut">
               <a:rPr lang="en-GB" smtClean="0"/>
-              <a:t>24/02/2025</a:t>
+              <a:t>28/03/2025</a:t>
             </a:fld>
             <a:endParaRPr lang="en-GB"/>
           </a:p>
@@ -10576,7 +10576,7 @@
           <a:p>
             <a:fld id="{28E8D346-A915-4882-A510-80C55F2B0290}" type="datetimeFigureOut">
               <a:rPr lang="en-GB" smtClean="0"/>
-              <a:t>24/02/2025</a:t>
+              <a:t>28/03/2025</a:t>
             </a:fld>
             <a:endParaRPr lang="en-GB"/>
           </a:p>
@@ -11049,7 +11049,7 @@
           <a:p>
             <a:fld id="{28E8D346-A915-4882-A510-80C55F2B0290}" type="datetimeFigureOut">
               <a:rPr lang="en-GB" smtClean="0"/>
-              <a:t>24/02/2025</a:t>
+              <a:t>28/03/2025</a:t>
             </a:fld>
             <a:endParaRPr lang="en-GB"/>
           </a:p>
@@ -11505,7 +11505,7 @@
           <a:p>
             <a:fld id="{28E8D346-A915-4882-A510-80C55F2B0290}" type="datetimeFigureOut">
               <a:rPr lang="en-GB" smtClean="0"/>
-              <a:t>24/02/2025</a:t>
+              <a:t>28/03/2025</a:t>
             </a:fld>
             <a:endParaRPr lang="en-GB"/>
           </a:p>
@@ -11729,7 +11729,7 @@
           <a:p>
             <a:fld id="{28E8D346-A915-4882-A510-80C55F2B0290}" type="datetimeFigureOut">
               <a:rPr lang="en-GB" smtClean="0"/>
-              <a:t>24/02/2025</a:t>
+              <a:t>28/03/2025</a:t>
             </a:fld>
             <a:endParaRPr lang="en-GB"/>
           </a:p>
@@ -11955,7 +11955,7 @@
           <a:p>
             <a:fld id="{28E8D346-A915-4882-A510-80C55F2B0290}" type="datetimeFigureOut">
               <a:rPr lang="en-GB" smtClean="0"/>
-              <a:t>24/02/2025</a:t>
+              <a:t>28/03/2025</a:t>
             </a:fld>
             <a:endParaRPr lang="en-GB"/>
           </a:p>
@@ -12181,7 +12181,7 @@
           <a:p>
             <a:fld id="{28E8D346-A915-4882-A510-80C55F2B0290}" type="datetimeFigureOut">
               <a:rPr lang="en-GB" smtClean="0"/>
-              <a:t>24/02/2025</a:t>
+              <a:t>28/03/2025</a:t>
             </a:fld>
             <a:endParaRPr lang="en-GB"/>
           </a:p>
@@ -12329,7 +12329,7 @@
           <a:p>
             <a:fld id="{28E8D346-A915-4882-A510-80C55F2B0290}" type="datetimeFigureOut">
               <a:rPr lang="en-GB" smtClean="0"/>
-              <a:t>24/02/2025</a:t>
+              <a:t>28/03/2025</a:t>
             </a:fld>
             <a:endParaRPr lang="en-GB"/>
           </a:p>
@@ -12723,7 +12723,7 @@
           <a:p>
             <a:fld id="{28E8D346-A915-4882-A510-80C55F2B0290}" type="datetimeFigureOut">
               <a:rPr lang="en-GB" smtClean="0"/>
-              <a:t>24/02/2025</a:t>
+              <a:t>28/03/2025</a:t>
             </a:fld>
             <a:endParaRPr lang="en-GB"/>
           </a:p>
@@ -13280,7 +13280,7 @@
           <a:p>
             <a:fld id="{28E8D346-A915-4882-A510-80C55F2B0290}" type="datetimeFigureOut">
               <a:rPr lang="en-GB" smtClean="0"/>
-              <a:t>24/02/2025</a:t>
+              <a:t>28/03/2025</a:t>
             </a:fld>
             <a:endParaRPr lang="en-GB"/>
           </a:p>
@@ -13786,7 +13786,7 @@
           <a:p>
             <a:fld id="{28E8D346-A915-4882-A510-80C55F2B0290}" type="datetimeFigureOut">
               <a:rPr lang="en-GB" smtClean="0"/>
-              <a:t>24/02/2025</a:t>
+              <a:t>28/03/2025</a:t>
             </a:fld>
             <a:endParaRPr lang="en-GB"/>
           </a:p>
@@ -14184,7 +14184,7 @@
           <a:p>
             <a:fld id="{28E8D346-A915-4882-A510-80C55F2B0290}" type="datetimeFigureOut">
               <a:rPr lang="en-GB" smtClean="0"/>
-              <a:t>24/02/2025</a:t>
+              <a:t>28/03/2025</a:t>
             </a:fld>
             <a:endParaRPr lang="en-GB"/>
           </a:p>
@@ -15050,7 +15050,7 @@
           <a:p>
             <a:fld id="{9D27316D-C409-4712-90E5-1C58F0743890}" type="datetimeFigureOut">
               <a:rPr lang="en-GB" smtClean="0"/>
-              <a:t>24/02/2025</a:t>
+              <a:t>28/03/2025</a:t>
             </a:fld>
             <a:endParaRPr lang="en-GB"/>
           </a:p>
@@ -21007,7 +21007,7 @@
         <p:spPr/>
         <p:txBody>
           <a:bodyPr>
-            <a:normAutofit fontScale="92500" lnSpcReduction="10000"/>
+            <a:normAutofit/>
           </a:bodyPr>
           <a:lstStyle/>
           <a:p>
@@ -21078,7 +21078,7 @@
             </a:r>
             <a:r>
               <a:rPr lang="en-GB" sz="1600" dirty="0"/>
-              <a:t> files are off-centre and some rotated, use the following measurements to centre them to each defined link. Alternatively, you can use any CAD software to verify the distances to the centre of the figure.</a:t>
+              <a:t> files are off-centre and some rotated, use any CAD software to verify the distances to the centre of the figure.</a:t>
             </a:r>
           </a:p>
           <a:p>
@@ -21110,14 +21110,14 @@
             <p:ph sz="half" idx="2"/>
             <p:extLst>
               <p:ext uri="{D42A27DB-BD31-4B8C-83A1-F6EECF244321}">
-                <p14:modId xmlns:p14="http://schemas.microsoft.com/office/powerpoint/2010/main" val="3952176039"/>
+                <p14:modId xmlns:p14="http://schemas.microsoft.com/office/powerpoint/2010/main" val="2779817679"/>
               </p:ext>
             </p:extLst>
           </p:nvPr>
         </p:nvGraphicFramePr>
         <p:xfrm>
-          <a:off x="6448425" y="2401094"/>
-          <a:ext cx="5181600" cy="3200400"/>
+          <a:off x="8097931" y="2461260"/>
+          <a:ext cx="2590800" cy="1935480"/>
         </p:xfrm>
         <a:graphic>
           <a:graphicData uri="http://schemas.openxmlformats.org/drawingml/2006/table">
@@ -21137,20 +21137,6 @@
                   <a:extLst>
                     <a:ext uri="{9D8B030D-6E8A-4147-A177-3AD203B41FA5}">
                       <a16:colId xmlns:a16="http://schemas.microsoft.com/office/drawing/2014/main" val="1130335206"/>
-                    </a:ext>
-                  </a:extLst>
-                </a:gridCol>
-                <a:gridCol w="1295400">
-                  <a:extLst>
-                    <a:ext uri="{9D8B030D-6E8A-4147-A177-3AD203B41FA5}">
-                      <a16:colId xmlns:a16="http://schemas.microsoft.com/office/drawing/2014/main" val="3973775711"/>
-                    </a:ext>
-                  </a:extLst>
-                </a:gridCol>
-                <a:gridCol w="1295400">
-                  <a:extLst>
-                    <a:ext uri="{9D8B030D-6E8A-4147-A177-3AD203B41FA5}">
-                      <a16:colId xmlns:a16="http://schemas.microsoft.com/office/drawing/2014/main" val="4148309417"/>
                     </a:ext>
                   </a:extLst>
                 </a:gridCol>
@@ -21192,41 +21178,6 @@
                   </a:txBody>
                   <a:tcPr anchor="ctr"/>
                 </a:tc>
-                <a:tc>
-                  <a:txBody>
-                    <a:bodyPr/>
-                    <a:lstStyle/>
-                    <a:p>
-                      <a:pPr algn="ctr"/>
-                      <a:r>
-                        <a:rPr lang="en-GB" dirty="0"/>
-                        <a:t>Translation to centre</a:t>
-                      </a:r>
-                    </a:p>
-                  </a:txBody>
-                  <a:tcPr anchor="ctr"/>
-                </a:tc>
-                <a:tc>
-                  <a:txBody>
-                    <a:bodyPr/>
-                    <a:lstStyle/>
-                    <a:p>
-                      <a:pPr algn="ctr"/>
-                      <a:r>
-                        <a:rPr lang="en-GB" dirty="0"/>
-                        <a:t>Rotation</a:t>
-                      </a:r>
-                    </a:p>
-                    <a:p>
-                      <a:pPr algn="ctr"/>
-                      <a:r>
-                        <a:rPr lang="en-GB" dirty="0"/>
-                        <a:t>to centre</a:t>
-                      </a:r>
-                    </a:p>
-                  </a:txBody>
-                  <a:tcPr anchor="ctr"/>
-                </a:tc>
                 <a:extLst>
                   <a:ext uri="{0D108BD9-81ED-4DB2-BD59-A6C34878D82A}">
                     <a16:rowId xmlns:a16="http://schemas.microsoft.com/office/drawing/2014/main" val="1434040457"/>
@@ -21258,68 +21209,12 @@
                     <a:p>
                       <a:pPr algn="ctr"/>
                       <a:r>
-                        <a:rPr lang="en-GB" sz="1050" dirty="0"/>
-                        <a:t>MCR2_puzzlebot_jetson_lidar_base.stl</a:t>
+                        <a:rPr lang="en-GB" sz="1050" dirty="0" err="1"/>
+                        <a:t>Puzzlebot_Jetson_Lidar_Edition_Base.stl</a:t>
                       </a:r>
                       <a:endParaRPr lang="en-GB" sz="1050" dirty="0">
                         <a:latin typeface="Nexa-Regular" panose="01000000000000000000" pitchFamily="2" charset="0"/>
                       </a:endParaRPr>
-                    </a:p>
-                  </a:txBody>
-                  <a:tcPr anchor="ctr"/>
-                </a:tc>
-                <a:tc>
-                  <a:txBody>
-                    <a:bodyPr/>
-                    <a:lstStyle/>
-                    <a:p>
-                      <a:pPr algn="l"/>
-                      <a:r>
-                        <a:rPr lang="en-GB" sz="1200" dirty="0"/>
-                        <a:t>x= 0.05</a:t>
-                      </a:r>
-                    </a:p>
-                    <a:p>
-                      <a:pPr algn="l"/>
-                      <a:r>
-                        <a:rPr lang="en-GB" sz="1200" dirty="0"/>
-                        <a:t>y = 0.0</a:t>
-                      </a:r>
-                    </a:p>
-                    <a:p>
-                      <a:pPr algn="l"/>
-                      <a:r>
-                        <a:rPr lang="en-GB" sz="1200" dirty="0"/>
-                        <a:t>z = 0.097</a:t>
-                      </a:r>
-                    </a:p>
-                  </a:txBody>
-                  <a:tcPr anchor="ctr"/>
-                </a:tc>
-                <a:tc>
-                  <a:txBody>
-                    <a:bodyPr/>
-                    <a:lstStyle/>
-                    <a:p>
-                      <a:pPr algn="l"/>
-                      <a:r>
-                        <a:rPr lang="en-GB" sz="1200" dirty="0"/>
-                        <a:t>r = 1.57</a:t>
-                      </a:r>
-                    </a:p>
-                    <a:p>
-                      <a:pPr algn="l"/>
-                      <a:r>
-                        <a:rPr lang="en-GB" sz="1200" dirty="0"/>
-                        <a:t>p = 0.0</a:t>
-                      </a:r>
-                    </a:p>
-                    <a:p>
-                      <a:pPr algn="l"/>
-                      <a:r>
-                        <a:rPr lang="en-GB" sz="1200" dirty="0"/>
-                        <a:t>y = 3.1416</a:t>
-                      </a:r>
                     </a:p>
                   </a:txBody>
                   <a:tcPr anchor="ctr"/>
@@ -21355,68 +21250,12 @@
                     <a:p>
                       <a:pPr algn="ctr"/>
                       <a:r>
-                        <a:rPr lang="en-GB" sz="1050" dirty="0"/>
-                        <a:t>MCR2_wheel.stl</a:t>
+                        <a:rPr lang="en-GB" sz="1050" dirty="0" err="1"/>
+                        <a:t>Puzzlebot_Wheel.stl</a:t>
                       </a:r>
                       <a:endParaRPr lang="en-GB" sz="1050" dirty="0">
                         <a:latin typeface="Nexa-Regular" panose="01000000000000000000" pitchFamily="2" charset="0"/>
                       </a:endParaRPr>
-                    </a:p>
-                  </a:txBody>
-                  <a:tcPr anchor="ctr"/>
-                </a:tc>
-                <a:tc>
-                  <a:txBody>
-                    <a:bodyPr/>
-                    <a:lstStyle/>
-                    <a:p>
-                      <a:pPr algn="l"/>
-                      <a:r>
-                        <a:rPr lang="en-GB" sz="1200" dirty="0"/>
-                        <a:t>x= 0.055</a:t>
-                      </a:r>
-                    </a:p>
-                    <a:p>
-                      <a:pPr algn="l"/>
-                      <a:r>
-                        <a:rPr lang="en-GB" sz="1200" dirty="0"/>
-                        <a:t>y = 0.005</a:t>
-                      </a:r>
-                    </a:p>
-                    <a:p>
-                      <a:pPr algn="l"/>
-                      <a:r>
-                        <a:rPr lang="en-GB" sz="1200" dirty="0"/>
-                        <a:t>z = 0</a:t>
-                      </a:r>
-                    </a:p>
-                  </a:txBody>
-                  <a:tcPr anchor="ctr"/>
-                </a:tc>
-                <a:tc>
-                  <a:txBody>
-                    <a:bodyPr/>
-                    <a:lstStyle/>
-                    <a:p>
-                      <a:pPr algn="l"/>
-                      <a:r>
-                        <a:rPr lang="en-GB" sz="1200" dirty="0"/>
-                        <a:t>r = -1.57</a:t>
-                      </a:r>
-                    </a:p>
-                    <a:p>
-                      <a:pPr algn="l"/>
-                      <a:r>
-                        <a:rPr lang="en-GB" sz="1200" dirty="0"/>
-                        <a:t>p =0</a:t>
-                      </a:r>
-                    </a:p>
-                    <a:p>
-                      <a:pPr algn="l"/>
-                      <a:r>
-                        <a:rPr lang="en-GB" sz="1200" dirty="0"/>
-                        <a:t>y =0</a:t>
-                      </a:r>
                     </a:p>
                   </a:txBody>
                   <a:tcPr anchor="ctr"/>
@@ -21452,68 +21291,12 @@
                     <a:p>
                       <a:pPr algn="ctr"/>
                       <a:r>
-                        <a:rPr lang="en-GB" sz="1050" dirty="0"/>
-                        <a:t>MCR2_wheel.stl</a:t>
+                        <a:rPr lang="en-GB" sz="1050" dirty="0" err="1"/>
+                        <a:t>Puzzlebot_Wheel.stl</a:t>
                       </a:r>
                       <a:endParaRPr lang="en-GB" sz="1050" dirty="0">
                         <a:latin typeface="Nexa-Regular" panose="01000000000000000000" pitchFamily="2" charset="0"/>
                       </a:endParaRPr>
-                    </a:p>
-                  </a:txBody>
-                  <a:tcPr anchor="ctr"/>
-                </a:tc>
-                <a:tc>
-                  <a:txBody>
-                    <a:bodyPr/>
-                    <a:lstStyle/>
-                    <a:p>
-                      <a:pPr algn="l"/>
-                      <a:r>
-                        <a:rPr lang="en-GB" sz="1200" dirty="0"/>
-                        <a:t>x= 0.055</a:t>
-                      </a:r>
-                    </a:p>
-                    <a:p>
-                      <a:pPr algn="l"/>
-                      <a:r>
-                        <a:rPr lang="en-GB" sz="1200" dirty="0"/>
-                        <a:t>y = -0.005</a:t>
-                      </a:r>
-                    </a:p>
-                    <a:p>
-                      <a:pPr algn="l"/>
-                      <a:r>
-                        <a:rPr lang="en-GB" sz="1200" dirty="0"/>
-                        <a:t>z = 0</a:t>
-                      </a:r>
-                    </a:p>
-                  </a:txBody>
-                  <a:tcPr anchor="ctr"/>
-                </a:tc>
-                <a:tc>
-                  <a:txBody>
-                    <a:bodyPr/>
-                    <a:lstStyle/>
-                    <a:p>
-                      <a:pPr algn="l"/>
-                      <a:r>
-                        <a:rPr lang="en-GB" sz="1200" dirty="0"/>
-                        <a:t>r = 1.57</a:t>
-                      </a:r>
-                    </a:p>
-                    <a:p>
-                      <a:pPr algn="l"/>
-                      <a:r>
-                        <a:rPr lang="en-GB" sz="1200" dirty="0"/>
-                        <a:t>p =0</a:t>
-                      </a:r>
-                    </a:p>
-                    <a:p>
-                      <a:pPr algn="l"/>
-                      <a:r>
-                        <a:rPr lang="en-GB" sz="1200" dirty="0"/>
-                        <a:t>y =0</a:t>
-                      </a:r>
                     </a:p>
                   </a:txBody>
                   <a:tcPr anchor="ctr"/>
@@ -21549,68 +21332,12 @@
                     <a:p>
                       <a:pPr algn="ctr"/>
                       <a:r>
-                        <a:rPr lang="en-GB" sz="1050" dirty="0"/>
-                        <a:t>MCR2_caster_wheel.stl</a:t>
+                        <a:rPr lang="en-GB" sz="1050" dirty="0" err="1"/>
+                        <a:t>Puzzlebot_Caster_Wheel.stl</a:t>
                       </a:r>
                       <a:endParaRPr lang="en-GB" sz="1050" dirty="0">
                         <a:latin typeface="Nexa-Regular" panose="01000000000000000000" pitchFamily="2" charset="0"/>
                       </a:endParaRPr>
-                    </a:p>
-                  </a:txBody>
-                  <a:tcPr anchor="ctr"/>
-                </a:tc>
-                <a:tc>
-                  <a:txBody>
-                    <a:bodyPr/>
-                    <a:lstStyle/>
-                    <a:p>
-                      <a:pPr algn="l"/>
-                      <a:r>
-                        <a:rPr lang="en-GB" sz="1200" dirty="0"/>
-                        <a:t>x= 0</a:t>
-                      </a:r>
-                    </a:p>
-                    <a:p>
-                      <a:pPr algn="l"/>
-                      <a:r>
-                        <a:rPr lang="en-GB" sz="1200" dirty="0"/>
-                        <a:t>y = 0</a:t>
-                      </a:r>
-                    </a:p>
-                    <a:p>
-                      <a:pPr algn="l"/>
-                      <a:r>
-                        <a:rPr lang="en-GB" sz="1200" dirty="0"/>
-                        <a:t>z = -0.015</a:t>
-                      </a:r>
-                    </a:p>
-                  </a:txBody>
-                  <a:tcPr anchor="ctr"/>
-                </a:tc>
-                <a:tc>
-                  <a:txBody>
-                    <a:bodyPr/>
-                    <a:lstStyle/>
-                    <a:p>
-                      <a:pPr algn="l"/>
-                      <a:r>
-                        <a:rPr lang="en-GB" sz="1200" dirty="0"/>
-                        <a:t>r = 0</a:t>
-                      </a:r>
-                    </a:p>
-                    <a:p>
-                      <a:pPr algn="l"/>
-                      <a:r>
-                        <a:rPr lang="en-GB" sz="1200" dirty="0"/>
-                        <a:t>p =0</a:t>
-                      </a:r>
-                    </a:p>
-                    <a:p>
-                      <a:pPr algn="l"/>
-                      <a:r>
-                        <a:rPr lang="en-GB" sz="1200" dirty="0"/>
-                        <a:t>y =0</a:t>
-                      </a:r>
                     </a:p>
                   </a:txBody>
                   <a:tcPr anchor="ctr"/>
